--- a/宣道詩/(宣道詩231)永遠的膀臂.pptx
+++ b/宣道詩/(宣道詩231)永遠的膀臂.pptx
@@ -322,7 +322,7 @@
           <a:p>
             <a:fld id="{E80D6F51-29E4-4752-BE81-64599CEF9744}" type="datetimeFigureOut">
               <a:rPr lang="zh-TW" altLang="en-US" smtClean="0"/>
-              <a:t>2021/6/7</a:t>
+              <a:t>2022/8/5</a:t>
             </a:fld>
             <a:endParaRPr lang="zh-TW" altLang="en-US"/>
           </a:p>
@@ -492,7 +492,7 @@
           <a:p>
             <a:fld id="{E80D6F51-29E4-4752-BE81-64599CEF9744}" type="datetimeFigureOut">
               <a:rPr lang="zh-TW" altLang="en-US" smtClean="0"/>
-              <a:t>2021/6/7</a:t>
+              <a:t>2022/8/5</a:t>
             </a:fld>
             <a:endParaRPr lang="zh-TW" altLang="en-US"/>
           </a:p>
@@ -672,7 +672,7 @@
           <a:p>
             <a:fld id="{E80D6F51-29E4-4752-BE81-64599CEF9744}" type="datetimeFigureOut">
               <a:rPr lang="zh-TW" altLang="en-US" smtClean="0"/>
-              <a:t>2021/6/7</a:t>
+              <a:t>2022/8/5</a:t>
             </a:fld>
             <a:endParaRPr lang="zh-TW" altLang="en-US"/>
           </a:p>
@@ -842,7 +842,7 @@
           <a:p>
             <a:fld id="{E80D6F51-29E4-4752-BE81-64599CEF9744}" type="datetimeFigureOut">
               <a:rPr lang="zh-TW" altLang="en-US" smtClean="0"/>
-              <a:t>2021/6/7</a:t>
+              <a:t>2022/8/5</a:t>
             </a:fld>
             <a:endParaRPr lang="zh-TW" altLang="en-US"/>
           </a:p>
@@ -1088,7 +1088,7 @@
           <a:p>
             <a:fld id="{E80D6F51-29E4-4752-BE81-64599CEF9744}" type="datetimeFigureOut">
               <a:rPr lang="zh-TW" altLang="en-US" smtClean="0"/>
-              <a:t>2021/6/7</a:t>
+              <a:t>2022/8/5</a:t>
             </a:fld>
             <a:endParaRPr lang="zh-TW" altLang="en-US"/>
           </a:p>
@@ -1376,7 +1376,7 @@
           <a:p>
             <a:fld id="{E80D6F51-29E4-4752-BE81-64599CEF9744}" type="datetimeFigureOut">
               <a:rPr lang="zh-TW" altLang="en-US" smtClean="0"/>
-              <a:t>2021/6/7</a:t>
+              <a:t>2022/8/5</a:t>
             </a:fld>
             <a:endParaRPr lang="zh-TW" altLang="en-US"/>
           </a:p>
@@ -1798,7 +1798,7 @@
           <a:p>
             <a:fld id="{E80D6F51-29E4-4752-BE81-64599CEF9744}" type="datetimeFigureOut">
               <a:rPr lang="zh-TW" altLang="en-US" smtClean="0"/>
-              <a:t>2021/6/7</a:t>
+              <a:t>2022/8/5</a:t>
             </a:fld>
             <a:endParaRPr lang="zh-TW" altLang="en-US"/>
           </a:p>
@@ -1916,7 +1916,7 @@
           <a:p>
             <a:fld id="{E80D6F51-29E4-4752-BE81-64599CEF9744}" type="datetimeFigureOut">
               <a:rPr lang="zh-TW" altLang="en-US" smtClean="0"/>
-              <a:t>2021/6/7</a:t>
+              <a:t>2022/8/5</a:t>
             </a:fld>
             <a:endParaRPr lang="zh-TW" altLang="en-US"/>
           </a:p>
@@ -2011,7 +2011,7 @@
           <a:p>
             <a:fld id="{E80D6F51-29E4-4752-BE81-64599CEF9744}" type="datetimeFigureOut">
               <a:rPr lang="zh-TW" altLang="en-US" smtClean="0"/>
-              <a:t>2021/6/7</a:t>
+              <a:t>2022/8/5</a:t>
             </a:fld>
             <a:endParaRPr lang="zh-TW" altLang="en-US"/>
           </a:p>
@@ -2288,7 +2288,7 @@
           <a:p>
             <a:fld id="{E80D6F51-29E4-4752-BE81-64599CEF9744}" type="datetimeFigureOut">
               <a:rPr lang="zh-TW" altLang="en-US" smtClean="0"/>
-              <a:t>2021/6/7</a:t>
+              <a:t>2022/8/5</a:t>
             </a:fld>
             <a:endParaRPr lang="zh-TW" altLang="en-US"/>
           </a:p>
@@ -2545,7 +2545,7 @@
           <a:p>
             <a:fld id="{E80D6F51-29E4-4752-BE81-64599CEF9744}" type="datetimeFigureOut">
               <a:rPr lang="zh-TW" altLang="en-US" smtClean="0"/>
-              <a:t>2021/6/7</a:t>
+              <a:t>2022/8/5</a:t>
             </a:fld>
             <a:endParaRPr lang="zh-TW" altLang="en-US"/>
           </a:p>
@@ -2763,7 +2763,7 @@
           <a:p>
             <a:fld id="{E80D6F51-29E4-4752-BE81-64599CEF9744}" type="datetimeFigureOut">
               <a:rPr lang="zh-TW" altLang="en-US" smtClean="0"/>
-              <a:t>2021/6/7</a:t>
+              <a:t>2022/8/5</a:t>
             </a:fld>
             <a:endParaRPr lang="zh-TW" altLang="en-US"/>
           </a:p>
@@ -3390,23 +3390,7 @@
                   <a:srgbClr val="660033"/>
                 </a:solidFill>
               </a:rPr>
-              <a:t>( </a:t>
-            </a:r>
-            <a:r>
-              <a:rPr lang="en-US" sz="4800" b="1" dirty="0" smtClean="0">
-                <a:solidFill>
-                  <a:srgbClr val="660033"/>
-                </a:solidFill>
-              </a:rPr>
-              <a:t>2 </a:t>
-            </a:r>
-            <a:r>
-              <a:rPr lang="en-US" sz="4800" b="1" dirty="0">
-                <a:solidFill>
-                  <a:srgbClr val="660033"/>
-                </a:solidFill>
-              </a:rPr>
-              <a:t>)</a:t>
+              <a:t>( 2 / 3 )</a:t>
             </a:r>
             <a:endParaRPr lang="vi-VN" sz="4800" b="1" dirty="0">
               <a:solidFill>
@@ -3535,23 +3519,7 @@
                   <a:srgbClr val="660033"/>
                 </a:solidFill>
               </a:rPr>
-              <a:t>( </a:t>
-            </a:r>
-            <a:r>
-              <a:rPr lang="en-US" sz="4800" b="1" dirty="0" smtClean="0">
-                <a:solidFill>
-                  <a:srgbClr val="660033"/>
-                </a:solidFill>
-              </a:rPr>
-              <a:t>2 </a:t>
-            </a:r>
-            <a:r>
-              <a:rPr lang="en-US" sz="4800" b="1" dirty="0">
-                <a:solidFill>
-                  <a:srgbClr val="660033"/>
-                </a:solidFill>
-              </a:rPr>
-              <a:t>)</a:t>
+              <a:t>( 2 / 3 )</a:t>
             </a:r>
             <a:endParaRPr lang="vi-VN" sz="4800" b="1" dirty="0">
               <a:solidFill>
@@ -3631,27 +3599,7 @@
                 <a:latin typeface="Microsoft JhengHei" panose="020B0604030504040204" pitchFamily="34" charset="-120"/>
                 <a:ea typeface="Microsoft JhengHei" panose="020B0604030504040204" pitchFamily="34" charset="-120"/>
               </a:rPr>
-              <a:t>在下扶你 </a:t>
-            </a:r>
-            <a:r>
-              <a:rPr lang="zh-TW" altLang="en-US" sz="6400" b="1" dirty="0">
-                <a:solidFill>
-                  <a:srgbClr val="660033"/>
-                </a:solidFill>
-                <a:latin typeface="Microsoft JhengHei" panose="020B0604030504040204" pitchFamily="34" charset="-120"/>
-                <a:ea typeface="Microsoft JhengHei" panose="020B0604030504040204" pitchFamily="34" charset="-120"/>
-              </a:rPr>
-              <a:t>  在</a:t>
-            </a:r>
-            <a:r>
-              <a:rPr lang="zh-TW" altLang="en-US" sz="6400" b="1" dirty="0">
-                <a:solidFill>
-                  <a:srgbClr val="660033"/>
-                </a:solidFill>
-                <a:latin typeface="Microsoft JhengHei" panose="020B0604030504040204" pitchFamily="34" charset="-120"/>
-                <a:ea typeface="Microsoft JhengHei" panose="020B0604030504040204" pitchFamily="34" charset="-120"/>
-              </a:rPr>
-              <a:t>下扶你</a:t>
+              <a:t>在下扶你   在下扶你</a:t>
             </a:r>
           </a:p>
           <a:p>
@@ -3748,27 +3696,7 @@
                 <a:latin typeface="Microsoft JhengHei" panose="020B0604030504040204" pitchFamily="34" charset="-120"/>
                 <a:ea typeface="Microsoft JhengHei" panose="020B0604030504040204" pitchFamily="34" charset="-120"/>
               </a:rPr>
-              <a:t>永遠膀臂 </a:t>
-            </a:r>
-            <a:r>
-              <a:rPr lang="zh-TW" altLang="en-US" sz="6400" b="1" dirty="0">
-                <a:solidFill>
-                  <a:srgbClr val="660033"/>
-                </a:solidFill>
-                <a:latin typeface="Microsoft JhengHei" panose="020B0604030504040204" pitchFamily="34" charset="-120"/>
-                <a:ea typeface="Microsoft JhengHei" panose="020B0604030504040204" pitchFamily="34" charset="-120"/>
-              </a:rPr>
-              <a:t>  永</a:t>
-            </a:r>
-            <a:r>
-              <a:rPr lang="zh-TW" altLang="en-US" sz="6400" b="1" dirty="0">
-                <a:solidFill>
-                  <a:srgbClr val="660033"/>
-                </a:solidFill>
-                <a:latin typeface="Microsoft JhengHei" panose="020B0604030504040204" pitchFamily="34" charset="-120"/>
-                <a:ea typeface="Microsoft JhengHei" panose="020B0604030504040204" pitchFamily="34" charset="-120"/>
-              </a:rPr>
-              <a:t>遠膀臂</a:t>
+              <a:t>永遠膀臂   永遠膀臂</a:t>
             </a:r>
           </a:p>
           <a:p>
@@ -3923,7 +3851,7 @@
                   <a:srgbClr val="660033"/>
                 </a:solidFill>
               </a:rPr>
-              <a:t>)</a:t>
+              <a:t>/ 3 )</a:t>
             </a:r>
             <a:endParaRPr lang="vi-VN" sz="4800" b="1" dirty="0">
               <a:solidFill>
@@ -4052,23 +3980,7 @@
                   <a:srgbClr val="660033"/>
                 </a:solidFill>
               </a:rPr>
-              <a:t>( </a:t>
-            </a:r>
-            <a:r>
-              <a:rPr lang="en-US" sz="4800" b="1" dirty="0" smtClean="0">
-                <a:solidFill>
-                  <a:srgbClr val="660033"/>
-                </a:solidFill>
-              </a:rPr>
-              <a:t>3 </a:t>
-            </a:r>
-            <a:r>
-              <a:rPr lang="en-US" sz="4800" b="1" dirty="0">
-                <a:solidFill>
-                  <a:srgbClr val="660033"/>
-                </a:solidFill>
-              </a:rPr>
-              <a:t>)</a:t>
+              <a:t>( 3 / 3 )</a:t>
             </a:r>
             <a:endParaRPr lang="vi-VN" sz="4800" b="1" dirty="0">
               <a:solidFill>
@@ -4197,23 +4109,7 @@
                   <a:srgbClr val="660033"/>
                 </a:solidFill>
               </a:rPr>
-              <a:t>( </a:t>
-            </a:r>
-            <a:r>
-              <a:rPr lang="en-US" sz="4800" b="1" dirty="0" smtClean="0">
-                <a:solidFill>
-                  <a:srgbClr val="660033"/>
-                </a:solidFill>
-              </a:rPr>
-              <a:t>3 </a:t>
-            </a:r>
-            <a:r>
-              <a:rPr lang="en-US" sz="4800" b="1" dirty="0">
-                <a:solidFill>
-                  <a:srgbClr val="660033"/>
-                </a:solidFill>
-              </a:rPr>
-              <a:t>)</a:t>
+              <a:t>( 3 / 3 )</a:t>
             </a:r>
             <a:endParaRPr lang="vi-VN" sz="4800" b="1" dirty="0">
               <a:solidFill>
@@ -4342,23 +4238,7 @@
                   <a:srgbClr val="660033"/>
                 </a:solidFill>
               </a:rPr>
-              <a:t>( </a:t>
-            </a:r>
-            <a:r>
-              <a:rPr lang="en-US" sz="4800" b="1" dirty="0" smtClean="0">
-                <a:solidFill>
-                  <a:srgbClr val="660033"/>
-                </a:solidFill>
-              </a:rPr>
-              <a:t>3 </a:t>
-            </a:r>
-            <a:r>
-              <a:rPr lang="en-US" sz="4800" b="1" dirty="0">
-                <a:solidFill>
-                  <a:srgbClr val="660033"/>
-                </a:solidFill>
-              </a:rPr>
-              <a:t>)</a:t>
+              <a:t>( 3 / 3 )</a:t>
             </a:r>
             <a:endParaRPr lang="vi-VN" sz="4800" b="1" dirty="0">
               <a:solidFill>
@@ -4438,27 +4318,7 @@
                 <a:latin typeface="Microsoft JhengHei" panose="020B0604030504040204" pitchFamily="34" charset="-120"/>
                 <a:ea typeface="Microsoft JhengHei" panose="020B0604030504040204" pitchFamily="34" charset="-120"/>
               </a:rPr>
-              <a:t>在下扶你 </a:t>
-            </a:r>
-            <a:r>
-              <a:rPr lang="zh-TW" altLang="en-US" sz="6400" b="1" dirty="0">
-                <a:solidFill>
-                  <a:srgbClr val="660033"/>
-                </a:solidFill>
-                <a:latin typeface="Microsoft JhengHei" panose="020B0604030504040204" pitchFamily="34" charset="-120"/>
-                <a:ea typeface="Microsoft JhengHei" panose="020B0604030504040204" pitchFamily="34" charset="-120"/>
-              </a:rPr>
-              <a:t>  在</a:t>
-            </a:r>
-            <a:r>
-              <a:rPr lang="zh-TW" altLang="en-US" sz="6400" b="1" dirty="0">
-                <a:solidFill>
-                  <a:srgbClr val="660033"/>
-                </a:solidFill>
-                <a:latin typeface="Microsoft JhengHei" panose="020B0604030504040204" pitchFamily="34" charset="-120"/>
-                <a:ea typeface="Microsoft JhengHei" panose="020B0604030504040204" pitchFamily="34" charset="-120"/>
-              </a:rPr>
-              <a:t>下扶你</a:t>
+              <a:t>在下扶你   在下扶你</a:t>
             </a:r>
           </a:p>
           <a:p>
@@ -4555,27 +4415,7 @@
                 <a:latin typeface="Microsoft JhengHei" panose="020B0604030504040204" pitchFamily="34" charset="-120"/>
                 <a:ea typeface="Microsoft JhengHei" panose="020B0604030504040204" pitchFamily="34" charset="-120"/>
               </a:rPr>
-              <a:t>永遠膀臂 </a:t>
-            </a:r>
-            <a:r>
-              <a:rPr lang="zh-TW" altLang="en-US" sz="6400" b="1" dirty="0">
-                <a:solidFill>
-                  <a:srgbClr val="660033"/>
-                </a:solidFill>
-                <a:latin typeface="Microsoft JhengHei" panose="020B0604030504040204" pitchFamily="34" charset="-120"/>
-                <a:ea typeface="Microsoft JhengHei" panose="020B0604030504040204" pitchFamily="34" charset="-120"/>
-              </a:rPr>
-              <a:t>  永</a:t>
-            </a:r>
-            <a:r>
-              <a:rPr lang="zh-TW" altLang="en-US" sz="6400" b="1" dirty="0">
-                <a:solidFill>
-                  <a:srgbClr val="660033"/>
-                </a:solidFill>
-                <a:latin typeface="Microsoft JhengHei" panose="020B0604030504040204" pitchFamily="34" charset="-120"/>
-                <a:ea typeface="Microsoft JhengHei" panose="020B0604030504040204" pitchFamily="34" charset="-120"/>
-              </a:rPr>
-              <a:t>遠膀臂</a:t>
+              <a:t>永遠膀臂   永遠膀臂</a:t>
             </a:r>
           </a:p>
           <a:p>
@@ -4731,7 +4571,23 @@
                   <a:srgbClr val="660033"/>
                 </a:solidFill>
               </a:rPr>
-              <a:t>( 1 )</a:t>
+              <a:t>( </a:t>
+            </a:r>
+            <a:r>
+              <a:rPr lang="en-US" sz="4800" b="1" dirty="0" smtClean="0">
+                <a:solidFill>
+                  <a:srgbClr val="660033"/>
+                </a:solidFill>
+              </a:rPr>
+              <a:t>1 / 3 </a:t>
+            </a:r>
+            <a:r>
+              <a:rPr lang="en-US" sz="4800" b="1" dirty="0">
+                <a:solidFill>
+                  <a:srgbClr val="660033"/>
+                </a:solidFill>
+              </a:rPr>
+              <a:t>)</a:t>
             </a:r>
             <a:endParaRPr lang="vi-VN" sz="4800" b="1" dirty="0">
               <a:solidFill>
@@ -4860,7 +4716,7 @@
                   <a:srgbClr val="660033"/>
                 </a:solidFill>
               </a:rPr>
-              <a:t>( 1 )</a:t>
+              <a:t>( 1 / 3 )</a:t>
             </a:r>
             <a:endParaRPr lang="vi-VN" sz="4800" b="1" dirty="0">
               <a:solidFill>
@@ -4996,7 +4852,7 @@
                   <a:srgbClr val="660033"/>
                 </a:solidFill>
               </a:rPr>
-              <a:t>( 1 )</a:t>
+              <a:t>( 1 / 3 )</a:t>
             </a:r>
             <a:endParaRPr lang="vi-VN" sz="4800" b="1" dirty="0">
               <a:solidFill>
@@ -5125,7 +4981,7 @@
                   <a:srgbClr val="660033"/>
                 </a:solidFill>
               </a:rPr>
-              <a:t>( 1 )</a:t>
+              <a:t>( 1 / 3 )</a:t>
             </a:r>
             <a:endParaRPr lang="vi-VN" sz="4800" b="1" dirty="0">
               <a:solidFill>
@@ -5205,27 +5061,7 @@
                 <a:latin typeface="Microsoft JhengHei" panose="020B0604030504040204" pitchFamily="34" charset="-120"/>
                 <a:ea typeface="Microsoft JhengHei" panose="020B0604030504040204" pitchFamily="34" charset="-120"/>
               </a:rPr>
-              <a:t>在下扶你 </a:t>
-            </a:r>
-            <a:r>
-              <a:rPr lang="zh-TW" altLang="en-US" sz="6400" b="1" dirty="0">
-                <a:solidFill>
-                  <a:srgbClr val="660033"/>
-                </a:solidFill>
-                <a:latin typeface="Microsoft JhengHei" panose="020B0604030504040204" pitchFamily="34" charset="-120"/>
-                <a:ea typeface="Microsoft JhengHei" panose="020B0604030504040204" pitchFamily="34" charset="-120"/>
-              </a:rPr>
-              <a:t>  在</a:t>
-            </a:r>
-            <a:r>
-              <a:rPr lang="zh-TW" altLang="en-US" sz="6400" b="1" dirty="0">
-                <a:solidFill>
-                  <a:srgbClr val="660033"/>
-                </a:solidFill>
-                <a:latin typeface="Microsoft JhengHei" panose="020B0604030504040204" pitchFamily="34" charset="-120"/>
-                <a:ea typeface="Microsoft JhengHei" panose="020B0604030504040204" pitchFamily="34" charset="-120"/>
-              </a:rPr>
-              <a:t>下扶你</a:t>
+              <a:t>在下扶你   在下扶你</a:t>
             </a:r>
           </a:p>
           <a:p>
@@ -5322,27 +5158,7 @@
                 <a:latin typeface="Microsoft JhengHei" panose="020B0604030504040204" pitchFamily="34" charset="-120"/>
                 <a:ea typeface="Microsoft JhengHei" panose="020B0604030504040204" pitchFamily="34" charset="-120"/>
               </a:rPr>
-              <a:t>永遠膀臂 </a:t>
-            </a:r>
-            <a:r>
-              <a:rPr lang="zh-TW" altLang="en-US" sz="6400" b="1" dirty="0">
-                <a:solidFill>
-                  <a:srgbClr val="660033"/>
-                </a:solidFill>
-                <a:latin typeface="Microsoft JhengHei" panose="020B0604030504040204" pitchFamily="34" charset="-120"/>
-                <a:ea typeface="Microsoft JhengHei" panose="020B0604030504040204" pitchFamily="34" charset="-120"/>
-              </a:rPr>
-              <a:t>  永</a:t>
-            </a:r>
-            <a:r>
-              <a:rPr lang="zh-TW" altLang="en-US" sz="6400" b="1" dirty="0">
-                <a:solidFill>
-                  <a:srgbClr val="660033"/>
-                </a:solidFill>
-                <a:latin typeface="Microsoft JhengHei" panose="020B0604030504040204" pitchFamily="34" charset="-120"/>
-                <a:ea typeface="Microsoft JhengHei" panose="020B0604030504040204" pitchFamily="34" charset="-120"/>
-              </a:rPr>
-              <a:t>遠膀臂</a:t>
+              <a:t>永遠膀臂   永遠膀臂</a:t>
             </a:r>
           </a:p>
           <a:p>
@@ -5504,7 +5320,7 @@
                   <a:srgbClr val="660033"/>
                 </a:solidFill>
               </a:rPr>
-              <a:t>)</a:t>
+              <a:t>/ 3 )</a:t>
             </a:r>
             <a:endParaRPr lang="vi-VN" sz="4800" b="1" dirty="0">
               <a:solidFill>
@@ -5633,23 +5449,7 @@
                   <a:srgbClr val="660033"/>
                 </a:solidFill>
               </a:rPr>
-              <a:t>( </a:t>
-            </a:r>
-            <a:r>
-              <a:rPr lang="en-US" sz="4800" b="1" dirty="0" smtClean="0">
-                <a:solidFill>
-                  <a:srgbClr val="660033"/>
-                </a:solidFill>
-              </a:rPr>
-              <a:t>2 </a:t>
-            </a:r>
-            <a:r>
-              <a:rPr lang="en-US" sz="4800" b="1" dirty="0">
-                <a:solidFill>
-                  <a:srgbClr val="660033"/>
-                </a:solidFill>
-              </a:rPr>
-              <a:t>)</a:t>
+              <a:t>( 2 / 3 )</a:t>
             </a:r>
             <a:endParaRPr lang="vi-VN" sz="4800" b="1" dirty="0">
               <a:solidFill>
